--- a/팀빌딩.pptx
+++ b/팀빌딩.pptx
@@ -6,9 +6,11 @@
   </p:sldMasterIdLst>
   <p:sldIdLst>
     <p:sldId id="256" r:id="rId2"/>
-    <p:sldId id="257" r:id="rId3"/>
-    <p:sldId id="258" r:id="rId4"/>
-    <p:sldId id="259" r:id="rId5"/>
+    <p:sldId id="261" r:id="rId3"/>
+    <p:sldId id="257" r:id="rId4"/>
+    <p:sldId id="258" r:id="rId5"/>
+    <p:sldId id="259" r:id="rId6"/>
+    <p:sldId id="260" r:id="rId7"/>
   </p:sldIdLst>
   <p:sldSz cx="12192000" cy="6858000"/>
   <p:notesSz cx="6858000" cy="9144000"/>
@@ -107,6 +109,11 @@
       </a:defRPr>
     </a:lvl9pPr>
   </p:defaultTextStyle>
+  <p:extLst>
+    <p:ext uri="{EFAFB233-063F-42B5-8137-9DF3F51BA10A}">
+      <p15:sldGuideLst xmlns:p15="http://schemas.microsoft.com/office/powerpoint/2012/main"/>
+    </p:ext>
+  </p:extLst>
 </p:presentation>
 </file>
 
@@ -2967,19 +2974,49 @@
           <a:chExt cx="0" cy="0"/>
         </a:xfrm>
       </p:grpSpPr>
-      <p:sp>
-        <p:nvSpPr>
-          <p:cNvPr id="2" name="제목 1"/>
-          <p:cNvSpPr>
-            <a:spLocks noGrp="1"/>
-          </p:cNvSpPr>
-          <p:nvPr>
-            <p:ph type="ctrTitle"/>
-          </p:nvPr>
-        </p:nvSpPr>
+      <p:pic>
+        <p:nvPicPr>
+          <p:cNvPr id="6" name="그림 5"/>
+          <p:cNvPicPr>
+            <a:picLocks noChangeAspect="1"/>
+          </p:cNvPicPr>
+          <p:nvPr/>
+        </p:nvPicPr>
+        <p:blipFill>
+          <a:blip r:embed="rId2" cstate="print">
+            <a:extLst>
+              <a:ext uri="{28A0092B-C50C-407E-A947-70E740481C1C}">
+                <a14:useLocalDpi xmlns:a14="http://schemas.microsoft.com/office/drawing/2010/main" val="0"/>
+              </a:ext>
+            </a:extLst>
+          </a:blip>
+          <a:stretch>
+            <a:fillRect/>
+          </a:stretch>
+        </p:blipFill>
         <p:spPr>
           <a:xfrm>
-            <a:off x="1423792" y="-142765"/>
+            <a:off x="966592" y="345347"/>
+            <a:ext cx="10058400" cy="2404677"/>
+          </a:xfrm>
+          <a:prstGeom prst="rect">
+            <a:avLst/>
+          </a:prstGeom>
+        </p:spPr>
+      </p:pic>
+      <p:sp>
+        <p:nvSpPr>
+          <p:cNvPr id="2" name="제목 1"/>
+          <p:cNvSpPr>
+            <a:spLocks noGrp="1"/>
+          </p:cNvSpPr>
+          <p:nvPr>
+            <p:ph type="ctrTitle"/>
+          </p:nvPr>
+        </p:nvSpPr>
+        <p:spPr>
+          <a:xfrm>
+            <a:off x="-1751364" y="2069478"/>
             <a:ext cx="9144000" cy="2387600"/>
           </a:xfrm>
         </p:spPr>
@@ -3016,7 +3053,12 @@
             <p:ph type="subTitle" idx="1"/>
           </p:nvPr>
         </p:nvSpPr>
-        <p:spPr/>
+        <p:spPr>
+          <a:xfrm>
+            <a:off x="1423792" y="3909609"/>
+            <a:ext cx="9144000" cy="1655762"/>
+          </a:xfrm>
+        </p:spPr>
         <p:txBody>
           <a:bodyPr>
             <a:normAutofit/>
@@ -3045,6 +3087,49 @@
               <a:t>김지훈</a:t>
             </a:r>
             <a:endParaRPr lang="en-US" altLang="ko-KR" sz="3000" dirty="0" smtClean="0"/>
+          </a:p>
+        </p:txBody>
+      </p:sp>
+      <p:sp>
+        <p:nvSpPr>
+          <p:cNvPr id="5" name="TextBox 4"/>
+          <p:cNvSpPr txBox="1"/>
+          <p:nvPr/>
+        </p:nvSpPr>
+        <p:spPr>
+          <a:xfrm>
+            <a:off x="3344030" y="3263278"/>
+            <a:ext cx="7223762" cy="646331"/>
+          </a:xfrm>
+          <a:prstGeom prst="rect">
+            <a:avLst/>
+          </a:prstGeom>
+          <a:noFill/>
+        </p:spPr>
+        <p:txBody>
+          <a:bodyPr wrap="square" rtlCol="0">
+            <a:spAutoFit/>
+          </a:bodyPr>
+          <a:lstStyle/>
+          <a:p>
+            <a:pPr algn="r"/>
+            <a:r>
+              <a:rPr lang="ko-KR" altLang="en-US" dirty="0" smtClean="0"/>
+              <a:t>소프트웨어학과</a:t>
+            </a:r>
+            <a:endParaRPr lang="en-US" altLang="ko-KR" dirty="0" smtClean="0"/>
+          </a:p>
+          <a:p>
+            <a:pPr algn="r"/>
+            <a:r>
+              <a:rPr lang="en-US" altLang="ko-KR" dirty="0" smtClean="0"/>
+              <a:t>2019-10-30</a:t>
+            </a:r>
+            <a:r>
+              <a:rPr lang="ko-KR" altLang="en-US" dirty="0" smtClean="0"/>
+              <a:t> </a:t>
+            </a:r>
+            <a:endParaRPr lang="ko-KR" altLang="en-US" dirty="0"/>
           </a:p>
         </p:txBody>
       </p:sp>
@@ -3095,64 +3180,52 @@
           <a:p>
             <a:r>
               <a:rPr lang="ko-KR" altLang="en-US" dirty="0" smtClean="0"/>
+              <a:t>목차</a:t>
+            </a:r>
+            <a:endParaRPr lang="ko-KR" altLang="en-US" dirty="0"/>
+          </a:p>
+        </p:txBody>
+      </p:sp>
+      <p:sp>
+        <p:nvSpPr>
+          <p:cNvPr id="3" name="내용 개체 틀 2"/>
+          <p:cNvSpPr>
+            <a:spLocks noGrp="1"/>
+          </p:cNvSpPr>
+          <p:nvPr>
+            <p:ph idx="1"/>
+          </p:nvPr>
+        </p:nvSpPr>
+        <p:spPr/>
+        <p:txBody>
+          <a:bodyPr/>
+          <a:lstStyle/>
+          <a:p>
+            <a:r>
+              <a:rPr lang="ko-KR" altLang="en-US" dirty="0" smtClean="0"/>
               <a:t>팀원</a:t>
             </a:r>
-            <a:endParaRPr lang="ko-KR" altLang="en-US" dirty="0"/>
-          </a:p>
-        </p:txBody>
-      </p:sp>
-      <p:sp>
-        <p:nvSpPr>
-          <p:cNvPr id="3" name="내용 개체 틀 2"/>
-          <p:cNvSpPr>
-            <a:spLocks noGrp="1"/>
-          </p:cNvSpPr>
-          <p:nvPr>
-            <p:ph idx="1"/>
-          </p:nvPr>
-        </p:nvSpPr>
-        <p:spPr/>
-        <p:txBody>
-          <a:bodyPr/>
-          <a:lstStyle/>
+            <a:endParaRPr lang="en-US" altLang="ko-KR" dirty="0" smtClean="0"/>
+          </a:p>
           <a:p>
             <a:r>
               <a:rPr lang="ko-KR" altLang="en-US" dirty="0" smtClean="0"/>
-              <a:t>팀 인원 </a:t>
-            </a:r>
-            <a:r>
-              <a:rPr lang="en-US" altLang="ko-KR" dirty="0" smtClean="0"/>
-              <a:t>2</a:t>
-            </a:r>
+              <a:t>팀 구호</a:t>
+            </a:r>
+            <a:endParaRPr lang="en-US" altLang="ko-KR" dirty="0" smtClean="0"/>
+          </a:p>
+          <a:p>
             <a:r>
               <a:rPr lang="ko-KR" altLang="en-US" dirty="0" smtClean="0"/>
-              <a:t>명</a:t>
+              <a:t>팀 규칙</a:t>
             </a:r>
             <a:endParaRPr lang="en-US" altLang="ko-KR" dirty="0" smtClean="0"/>
           </a:p>
           <a:p>
             <a:r>
-              <a:rPr lang="en-US" altLang="ko-KR" dirty="0" smtClean="0"/>
-              <a:t>2015842111 </a:t>
-            </a:r>
-            <a:r>
-              <a:rPr lang="ko-KR" altLang="en-US" dirty="0" smtClean="0"/>
-              <a:t>최재영</a:t>
-            </a:r>
-            <a:endParaRPr lang="en-US" altLang="ko-KR" dirty="0" smtClean="0"/>
-          </a:p>
-          <a:p>
-            <a:r>
-              <a:rPr lang="en-US" altLang="ko-KR" dirty="0" smtClean="0"/>
-              <a:t>2013951031 </a:t>
-            </a:r>
-            <a:r>
-              <a:rPr lang="ko-KR" altLang="en-US" dirty="0" smtClean="0"/>
-              <a:t>김지훈</a:t>
-            </a:r>
-            <a:endParaRPr lang="en-US" altLang="ko-KR" dirty="0" smtClean="0"/>
-          </a:p>
-          <a:p>
+              <a:rPr lang="ko-KR" altLang="en-US" dirty="0" err="1" smtClean="0"/>
+              <a:t>깃허브주소</a:t>
+            </a:r>
             <a:endParaRPr lang="ko-KR" altLang="en-US" dirty="0"/>
           </a:p>
         </p:txBody>
@@ -3160,7 +3233,7 @@
     </p:spTree>
     <p:extLst>
       <p:ext uri="{BB962C8B-B14F-4D97-AF65-F5344CB8AC3E}">
-        <p14:creationId xmlns:p14="http://schemas.microsoft.com/office/powerpoint/2010/main" val="4273606370"/>
+        <p14:creationId xmlns:p14="http://schemas.microsoft.com/office/powerpoint/2010/main" val="1118090728"/>
       </p:ext>
     </p:extLst>
   </p:cSld>
@@ -3204,7 +3277,7 @@
           <a:p>
             <a:r>
               <a:rPr lang="ko-KR" altLang="en-US" dirty="0" smtClean="0"/>
-              <a:t>팀 구호 </a:t>
+              <a:t>팀원</a:t>
             </a:r>
             <a:endParaRPr lang="ko-KR" altLang="en-US" dirty="0"/>
           </a:p>
@@ -3227,14 +3300,38 @@
           <a:p>
             <a:r>
               <a:rPr lang="ko-KR" altLang="en-US" dirty="0" smtClean="0"/>
-              <a:t>배운 내용을 정리하고 잊지 말자 </a:t>
+              <a:t>팀 인원 </a:t>
+            </a:r>
+            <a:r>
+              <a:rPr lang="en-US" altLang="ko-KR" dirty="0" smtClean="0"/>
+              <a:t>2</a:t>
+            </a:r>
+            <a:r>
+              <a:rPr lang="ko-KR" altLang="en-US" dirty="0" smtClean="0"/>
+              <a:t>명</a:t>
             </a:r>
             <a:endParaRPr lang="en-US" altLang="ko-KR" dirty="0" smtClean="0"/>
           </a:p>
           <a:p>
-            <a:endParaRPr lang="en-US" altLang="ko-KR" dirty="0"/>
-          </a:p>
-          <a:p>
+            <a:r>
+              <a:rPr lang="en-US" altLang="ko-KR" dirty="0" smtClean="0"/>
+              <a:t>2015842111 </a:t>
+            </a:r>
+            <a:r>
+              <a:rPr lang="ko-KR" altLang="en-US" dirty="0" smtClean="0"/>
+              <a:t>최재영</a:t>
+            </a:r>
+            <a:endParaRPr lang="en-US" altLang="ko-KR" dirty="0" smtClean="0"/>
+          </a:p>
+          <a:p>
+            <a:r>
+              <a:rPr lang="en-US" altLang="ko-KR" dirty="0" smtClean="0"/>
+              <a:t>2013951031 </a:t>
+            </a:r>
+            <a:r>
+              <a:rPr lang="ko-KR" altLang="en-US" dirty="0" smtClean="0"/>
+              <a:t>김지훈</a:t>
+            </a:r>
             <a:endParaRPr lang="en-US" altLang="ko-KR" dirty="0" smtClean="0"/>
           </a:p>
           <a:p>
@@ -3245,7 +3342,7 @@
     </p:spTree>
     <p:extLst>
       <p:ext uri="{BB962C8B-B14F-4D97-AF65-F5344CB8AC3E}">
-        <p14:creationId xmlns:p14="http://schemas.microsoft.com/office/powerpoint/2010/main" val="1105572734"/>
+        <p14:creationId xmlns:p14="http://schemas.microsoft.com/office/powerpoint/2010/main" val="4273606370"/>
       </p:ext>
     </p:extLst>
   </p:cSld>
@@ -3289,6 +3386,88 @@
           <a:p>
             <a:r>
               <a:rPr lang="ko-KR" altLang="en-US" dirty="0" smtClean="0"/>
+              <a:t>팀 구호 </a:t>
+            </a:r>
+            <a:endParaRPr lang="ko-KR" altLang="en-US" dirty="0"/>
+          </a:p>
+        </p:txBody>
+      </p:sp>
+      <p:sp>
+        <p:nvSpPr>
+          <p:cNvPr id="3" name="내용 개체 틀 2"/>
+          <p:cNvSpPr>
+            <a:spLocks noGrp="1"/>
+          </p:cNvSpPr>
+          <p:nvPr>
+            <p:ph idx="1"/>
+          </p:nvPr>
+        </p:nvSpPr>
+        <p:spPr/>
+        <p:txBody>
+          <a:bodyPr/>
+          <a:lstStyle/>
+          <a:p>
+            <a:r>
+              <a:rPr lang="ko-KR" altLang="en-US" dirty="0" smtClean="0"/>
+              <a:t>스토리지 </a:t>
+            </a:r>
+            <a:endParaRPr lang="en-US" altLang="ko-KR" dirty="0" smtClean="0"/>
+          </a:p>
+          <a:p>
+            <a:endParaRPr lang="en-US" altLang="ko-KR" dirty="0"/>
+          </a:p>
+          <a:p>
+            <a:endParaRPr lang="ko-KR" altLang="en-US" dirty="0"/>
+          </a:p>
+        </p:txBody>
+      </p:sp>
+    </p:spTree>
+    <p:extLst>
+      <p:ext uri="{BB962C8B-B14F-4D97-AF65-F5344CB8AC3E}">
+        <p14:creationId xmlns:p14="http://schemas.microsoft.com/office/powerpoint/2010/main" val="1105572734"/>
+      </p:ext>
+    </p:extLst>
+  </p:cSld>
+  <p:clrMapOvr>
+    <a:masterClrMapping/>
+  </p:clrMapOvr>
+</p:sld>
+</file>
+
+<file path=ppt/slides/slide5.xml><?xml version="1.0" encoding="utf-8"?>
+<p:sld xmlns:a="http://schemas.openxmlformats.org/drawingml/2006/main" xmlns:r="http://schemas.openxmlformats.org/officeDocument/2006/relationships" xmlns:p="http://schemas.openxmlformats.org/presentationml/2006/main">
+  <p:cSld>
+    <p:spTree>
+      <p:nvGrpSpPr>
+        <p:cNvPr id="1" name=""/>
+        <p:cNvGrpSpPr/>
+        <p:nvPr/>
+      </p:nvGrpSpPr>
+      <p:grpSpPr>
+        <a:xfrm>
+          <a:off x="0" y="0"/>
+          <a:ext cx="0" cy="0"/>
+          <a:chOff x="0" y="0"/>
+          <a:chExt cx="0" cy="0"/>
+        </a:xfrm>
+      </p:grpSpPr>
+      <p:sp>
+        <p:nvSpPr>
+          <p:cNvPr id="2" name="제목 1"/>
+          <p:cNvSpPr>
+            <a:spLocks noGrp="1"/>
+          </p:cNvSpPr>
+          <p:nvPr>
+            <p:ph type="title"/>
+          </p:nvPr>
+        </p:nvSpPr>
+        <p:spPr/>
+        <p:txBody>
+          <a:bodyPr/>
+          <a:lstStyle/>
+          <a:p>
+            <a:r>
+              <a:rPr lang="ko-KR" altLang="en-US" dirty="0" smtClean="0"/>
               <a:t>팀 규칙</a:t>
             </a:r>
             <a:endParaRPr lang="ko-KR" altLang="en-US" dirty="0"/>
@@ -3369,6 +3548,99 @@
     <p:extLst>
       <p:ext uri="{BB962C8B-B14F-4D97-AF65-F5344CB8AC3E}">
         <p14:creationId xmlns:p14="http://schemas.microsoft.com/office/powerpoint/2010/main" val="4068986476"/>
+      </p:ext>
+    </p:extLst>
+  </p:cSld>
+  <p:clrMapOvr>
+    <a:masterClrMapping/>
+  </p:clrMapOvr>
+</p:sld>
+</file>
+
+<file path=ppt/slides/slide6.xml><?xml version="1.0" encoding="utf-8"?>
+<p:sld xmlns:a="http://schemas.openxmlformats.org/drawingml/2006/main" xmlns:r="http://schemas.openxmlformats.org/officeDocument/2006/relationships" xmlns:p="http://schemas.openxmlformats.org/presentationml/2006/main">
+  <p:cSld>
+    <p:spTree>
+      <p:nvGrpSpPr>
+        <p:cNvPr id="1" name=""/>
+        <p:cNvGrpSpPr/>
+        <p:nvPr/>
+      </p:nvGrpSpPr>
+      <p:grpSpPr>
+        <a:xfrm>
+          <a:off x="0" y="0"/>
+          <a:ext cx="0" cy="0"/>
+          <a:chOff x="0" y="0"/>
+          <a:chExt cx="0" cy="0"/>
+        </a:xfrm>
+      </p:grpSpPr>
+      <p:sp>
+        <p:nvSpPr>
+          <p:cNvPr id="2" name="제목 1"/>
+          <p:cNvSpPr>
+            <a:spLocks noGrp="1"/>
+          </p:cNvSpPr>
+          <p:nvPr>
+            <p:ph type="title"/>
+          </p:nvPr>
+        </p:nvSpPr>
+        <p:spPr/>
+        <p:txBody>
+          <a:bodyPr/>
+          <a:lstStyle/>
+          <a:p>
+            <a:r>
+              <a:rPr lang="ko-KR" altLang="en-US" dirty="0" err="1" smtClean="0"/>
+              <a:t>깃허브</a:t>
+            </a:r>
+            <a:r>
+              <a:rPr lang="ko-KR" altLang="en-US" dirty="0" smtClean="0"/>
+              <a:t> 주소 </a:t>
+            </a:r>
+            <a:r>
+              <a:rPr lang="en-US" altLang="ko-KR" dirty="0"/>
+              <a:t/>
+            </a:r>
+            <a:br>
+              <a:rPr lang="en-US" altLang="ko-KR" dirty="0"/>
+            </a:br>
+            <a:endParaRPr lang="ko-KR" altLang="en-US" dirty="0"/>
+          </a:p>
+        </p:txBody>
+      </p:sp>
+      <p:sp>
+        <p:nvSpPr>
+          <p:cNvPr id="3" name="내용 개체 틀 2"/>
+          <p:cNvSpPr>
+            <a:spLocks noGrp="1"/>
+          </p:cNvSpPr>
+          <p:nvPr>
+            <p:ph idx="1"/>
+          </p:nvPr>
+        </p:nvSpPr>
+        <p:spPr/>
+        <p:txBody>
+          <a:bodyPr/>
+          <a:lstStyle/>
+          <a:p>
+            <a:pPr marL="0" indent="0">
+              <a:buNone/>
+            </a:pPr>
+            <a:endParaRPr lang="en-US" altLang="ko-KR" dirty="0" smtClean="0"/>
+          </a:p>
+          <a:p>
+            <a:r>
+              <a:rPr lang="en-US" altLang="ko-KR" dirty="0"/>
+              <a:t>https://github.com/cjy2103/GameTeam</a:t>
+            </a:r>
+            <a:endParaRPr lang="ko-KR" altLang="en-US" dirty="0"/>
+          </a:p>
+        </p:txBody>
+      </p:sp>
+    </p:spTree>
+    <p:extLst>
+      <p:ext uri="{BB962C8B-B14F-4D97-AF65-F5344CB8AC3E}">
+        <p14:creationId xmlns:p14="http://schemas.microsoft.com/office/powerpoint/2010/main" val="1679480032"/>
       </p:ext>
     </p:extLst>
   </p:cSld>
